--- a/Lowe’s_Campus_Hackathon_Presentation.pptx
+++ b/Lowe’s_Campus_Hackathon_Presentation.pptx
@@ -2199,7 +2199,7 @@
           <a:p>
             <a:fld id="{7977105C-EBAD-49A5-B276-B22DC497508D}" type="datetimeFigureOut">
               <a:rPr lang="en-IN" smtClean="0"/>
-              <a:t>26-02-2020</a:t>
+              <a:t>28-02-2020</a:t>
             </a:fld>
             <a:endParaRPr lang="en-IN"/>
           </a:p>
@@ -2460,7 +2460,7 @@
           <a:p>
             <a:fld id="{7977105C-EBAD-49A5-B276-B22DC497508D}" type="datetimeFigureOut">
               <a:rPr lang="en-IN" smtClean="0"/>
-              <a:t>26-02-2020</a:t>
+              <a:t>28-02-2020</a:t>
             </a:fld>
             <a:endParaRPr lang="en-IN"/>
           </a:p>
@@ -2784,7 +2784,7 @@
           <a:p>
             <a:fld id="{7977105C-EBAD-49A5-B276-B22DC497508D}" type="datetimeFigureOut">
               <a:rPr lang="en-IN" smtClean="0"/>
-              <a:t>26-02-2020</a:t>
+              <a:t>28-02-2020</a:t>
             </a:fld>
             <a:endParaRPr lang="en-IN"/>
           </a:p>
@@ -3127,7 +3127,7 @@
           <a:p>
             <a:fld id="{7977105C-EBAD-49A5-B276-B22DC497508D}" type="datetimeFigureOut">
               <a:rPr lang="en-IN" smtClean="0"/>
-              <a:t>26-02-2020</a:t>
+              <a:t>28-02-2020</a:t>
             </a:fld>
             <a:endParaRPr lang="en-IN"/>
           </a:p>
@@ -3451,7 +3451,7 @@
           <a:p>
             <a:fld id="{7977105C-EBAD-49A5-B276-B22DC497508D}" type="datetimeFigureOut">
               <a:rPr lang="en-IN" smtClean="0"/>
-              <a:t>26-02-2020</a:t>
+              <a:t>28-02-2020</a:t>
             </a:fld>
             <a:endParaRPr lang="en-IN"/>
           </a:p>
@@ -3854,7 +3854,7 @@
           <a:p>
             <a:fld id="{7977105C-EBAD-49A5-B276-B22DC497508D}" type="datetimeFigureOut">
               <a:rPr lang="en-IN" smtClean="0"/>
-              <a:t>26-02-2020</a:t>
+              <a:t>28-02-2020</a:t>
             </a:fld>
             <a:endParaRPr lang="en-IN"/>
           </a:p>
@@ -4034,7 +4034,7 @@
           <a:p>
             <a:fld id="{7977105C-EBAD-49A5-B276-B22DC497508D}" type="datetimeFigureOut">
               <a:rPr lang="en-IN" smtClean="0"/>
-              <a:t>26-02-2020</a:t>
+              <a:t>28-02-2020</a:t>
             </a:fld>
             <a:endParaRPr lang="en-IN"/>
           </a:p>
@@ -4224,7 +4224,7 @@
           <a:p>
             <a:fld id="{7977105C-EBAD-49A5-B276-B22DC497508D}" type="datetimeFigureOut">
               <a:rPr lang="en-IN" smtClean="0"/>
-              <a:t>26-02-2020</a:t>
+              <a:t>28-02-2020</a:t>
             </a:fld>
             <a:endParaRPr lang="en-IN"/>
           </a:p>
@@ -5009,7 +5009,7 @@
           <a:p>
             <a:fld id="{7977105C-EBAD-49A5-B276-B22DC497508D}" type="datetimeFigureOut">
               <a:rPr lang="en-IN" smtClean="0"/>
-              <a:t>26-02-2020</a:t>
+              <a:t>28-02-2020</a:t>
             </a:fld>
             <a:endParaRPr lang="en-IN"/>
           </a:p>
@@ -5266,7 +5266,7 @@
           <a:p>
             <a:fld id="{7977105C-EBAD-49A5-B276-B22DC497508D}" type="datetimeFigureOut">
               <a:rPr lang="en-IN" smtClean="0"/>
-              <a:t>26-02-2020</a:t>
+              <a:t>28-02-2020</a:t>
             </a:fld>
             <a:endParaRPr lang="en-IN"/>
           </a:p>
@@ -5508,7 +5508,7 @@
           <a:p>
             <a:fld id="{7977105C-EBAD-49A5-B276-B22DC497508D}" type="datetimeFigureOut">
               <a:rPr lang="en-IN" smtClean="0"/>
-              <a:t>26-02-2020</a:t>
+              <a:t>28-02-2020</a:t>
             </a:fld>
             <a:endParaRPr lang="en-IN"/>
           </a:p>
@@ -5892,7 +5892,7 @@
           <a:p>
             <a:fld id="{7977105C-EBAD-49A5-B276-B22DC497508D}" type="datetimeFigureOut">
               <a:rPr lang="en-IN" smtClean="0"/>
-              <a:t>26-02-2020</a:t>
+              <a:t>28-02-2020</a:t>
             </a:fld>
             <a:endParaRPr lang="en-IN"/>
           </a:p>
@@ -6025,7 +6025,7 @@
           <a:p>
             <a:fld id="{7977105C-EBAD-49A5-B276-B22DC497508D}" type="datetimeFigureOut">
               <a:rPr lang="en-IN" smtClean="0"/>
-              <a:t>26-02-2020</a:t>
+              <a:t>28-02-2020</a:t>
             </a:fld>
             <a:endParaRPr lang="en-IN"/>
           </a:p>
@@ -6130,7 +6130,7 @@
           <a:p>
             <a:fld id="{7977105C-EBAD-49A5-B276-B22DC497508D}" type="datetimeFigureOut">
               <a:rPr lang="en-IN" smtClean="0"/>
-              <a:t>26-02-2020</a:t>
+              <a:t>28-02-2020</a:t>
             </a:fld>
             <a:endParaRPr lang="en-IN"/>
           </a:p>
@@ -6394,7 +6394,7 @@
           <a:p>
             <a:fld id="{7977105C-EBAD-49A5-B276-B22DC497508D}" type="datetimeFigureOut">
               <a:rPr lang="en-IN" smtClean="0"/>
-              <a:t>26-02-2020</a:t>
+              <a:t>28-02-2020</a:t>
             </a:fld>
             <a:endParaRPr lang="en-IN"/>
           </a:p>
@@ -6718,7 +6718,7 @@
           <a:p>
             <a:fld id="{7977105C-EBAD-49A5-B276-B22DC497508D}" type="datetimeFigureOut">
               <a:rPr lang="en-IN" smtClean="0"/>
-              <a:t>26-02-2020</a:t>
+              <a:t>28-02-2020</a:t>
             </a:fld>
             <a:endParaRPr lang="en-IN"/>
           </a:p>
@@ -7421,7 +7421,7 @@
           <a:p>
             <a:fld id="{7977105C-EBAD-49A5-B276-B22DC497508D}" type="datetimeFigureOut">
               <a:rPr lang="en-IN" smtClean="0"/>
-              <a:t>26-02-2020</a:t>
+              <a:t>28-02-2020</a:t>
             </a:fld>
             <a:endParaRPr lang="en-IN"/>
           </a:p>
@@ -8076,7 +8076,7 @@
         </p:nvSpPr>
         <p:spPr>
           <a:xfrm>
-            <a:off x="1240388" y="131112"/>
+            <a:off x="133107" y="116824"/>
             <a:ext cx="8520600" cy="572700"/>
           </a:xfrm>
         </p:spPr>
@@ -8085,7 +8085,7 @@
           <a:lstStyle/>
           <a:p>
             <a:r>
-              <a:rPr lang="en-US" dirty="0"/>
+              <a:rPr lang="en-US" sz="4000" dirty="0"/>
               <a:t>Future Product Enhancements</a:t>
             </a:r>
           </a:p>
@@ -8109,7 +8109,7 @@
         </p:nvSpPr>
         <p:spPr>
           <a:xfrm>
-            <a:off x="225973" y="765547"/>
+            <a:off x="0" y="1022723"/>
             <a:ext cx="7546427" cy="3612406"/>
           </a:xfrm>
         </p:spPr>
@@ -8126,12 +8126,12 @@
               <a:buChar char="Ø"/>
             </a:pPr>
             <a:r>
-              <a:rPr lang="en-GB" sz="1500" dirty="0">
+              <a:rPr lang="en-GB" sz="1600" dirty="0">
                 <a:solidFill>
                   <a:schemeClr val="accent6"/>
                 </a:solidFill>
               </a:rPr>
-              <a:t> Add custom product filter to display products according to user’s requirements.</a:t>
+              <a:t> Add custom product filter to display products according to user’s requirements</a:t>
             </a:r>
           </a:p>
           <a:p>
@@ -8144,7 +8144,7 @@
               <a:buChar char="Ø"/>
             </a:pPr>
             <a:r>
-              <a:rPr lang="en-GB" sz="1500" dirty="0">
+              <a:rPr lang="en-GB" sz="1600" dirty="0">
                 <a:solidFill>
                   <a:schemeClr val="accent6"/>
                 </a:solidFill>
@@ -8162,7 +8162,7 @@
               <a:buChar char="Ø"/>
             </a:pPr>
             <a:r>
-              <a:rPr lang="en-GB" sz="1500" dirty="0">
+              <a:rPr lang="en-GB" sz="1600" dirty="0">
                 <a:solidFill>
                   <a:schemeClr val="accent6"/>
                 </a:solidFill>
@@ -8180,7 +8180,7 @@
               <a:buChar char="Ø"/>
             </a:pPr>
             <a:r>
-              <a:rPr lang="en-GB" sz="1500" dirty="0">
+              <a:rPr lang="en-GB" sz="1600" dirty="0">
                 <a:solidFill>
                   <a:schemeClr val="accent6"/>
                 </a:solidFill>
@@ -8198,7 +8198,7 @@
               <a:buChar char="Ø"/>
             </a:pPr>
             <a:r>
-              <a:rPr lang="en-GB" sz="1500" dirty="0">
+              <a:rPr lang="en-GB" sz="1600" dirty="0">
                 <a:solidFill>
                   <a:schemeClr val="accent6"/>
                 </a:solidFill>
@@ -8216,7 +8216,7 @@
               <a:buChar char="Ø"/>
             </a:pPr>
             <a:r>
-              <a:rPr lang="en-GB" sz="1500" dirty="0">
+              <a:rPr lang="en-GB" sz="1600" dirty="0">
                 <a:solidFill>
                   <a:schemeClr val="accent6"/>
                 </a:solidFill>
@@ -8234,12 +8234,12 @@
               <a:buChar char="Ø"/>
             </a:pPr>
             <a:r>
-              <a:rPr lang="en-GB" sz="1500" dirty="0">
+              <a:rPr lang="en-GB" sz="1600" dirty="0">
                 <a:solidFill>
                   <a:schemeClr val="accent6"/>
                 </a:solidFill>
               </a:rPr>
-              <a:t> Download invoice right from the chat window.</a:t>
+              <a:t> Download invoice right from the chat window</a:t>
             </a:r>
           </a:p>
           <a:p>
@@ -8252,17 +8252,17 @@
               <a:buChar char="Ø"/>
             </a:pPr>
             <a:r>
-              <a:rPr lang="en-GB" sz="1500" dirty="0">
+              <a:rPr lang="en-GB" sz="1600" dirty="0">
                 <a:solidFill>
                   <a:schemeClr val="accent6"/>
                 </a:solidFill>
               </a:rPr>
-              <a:t> Redirect to appropriate payment services on checkout.</a:t>
+              <a:t> Redirect to appropriate payment services on checkout</a:t>
             </a:r>
             <a:br>
-              <a:rPr lang="en-GB" sz="1500" dirty="0"/>
+              <a:rPr lang="en-GB" sz="1600" dirty="0"/>
             </a:br>
-            <a:endParaRPr lang="en-US" sz="1500" dirty="0"/>
+            <a:endParaRPr lang="en-US" sz="1600" dirty="0"/>
           </a:p>
         </p:txBody>
       </p:sp>
@@ -8326,7 +8326,7 @@
           <a:p>
             <a:pPr algn="ctr"/>
             <a:r>
-              <a:rPr lang="en-US" sz="5000" dirty="0">
+              <a:rPr lang="en-US" sz="7000" dirty="0">
                 <a:solidFill>
                   <a:schemeClr val="accent6"/>
                 </a:solidFill>
@@ -9173,20 +9173,12 @@
               <a:t>Dialogflow: </a:t>
             </a:r>
             <a:r>
-              <a:rPr lang="en-GB" sz="1600" dirty="0" err="1">
+              <a:rPr lang="en-GB" sz="1600" dirty="0">
                 <a:solidFill>
                   <a:schemeClr val="accent6"/>
                 </a:solidFill>
               </a:rPr>
-              <a:t>Dialogflow</a:t>
-            </a:r>
-            <a:r>
-              <a:rPr lang="en-GB" sz="1600" dirty="0">
-                <a:solidFill>
-                  <a:schemeClr val="accent6"/>
-                </a:solidFill>
-              </a:rPr>
-              <a:t> is an end-to-end, build-once deploy-everywhere             				development suite for creating conversational interfaces for 						websites, popular messaging platforms and IoT devices.</a:t>
+              <a:t>Dialogflow is an end-to-end, build-once deploy-everywhere             				development suite for creating conversational interfaces for 						websites, popular messaging platforms and IoT devices.</a:t>
             </a:r>
           </a:p>
           <a:p>
@@ -9409,7 +9401,7 @@
                   <a:schemeClr val="accent6"/>
                 </a:solidFill>
               </a:rPr>
-              <a:t>No specific Hardware required for the theme. Any display device which supports Google Assistant is enough for this prototype.</a:t>
+              <a:t>No specific Hardware required for the problem statement stated in the hackathon theme. Any display device which supports Google Assistant is enough for this prototype.</a:t>
             </a:r>
           </a:p>
           <a:p>
@@ -9429,23 +9421,7 @@
                   <a:schemeClr val="accent6"/>
                 </a:solidFill>
               </a:rPr>
-              <a:t>Support for other voice assist platforms such as Alexa, Siri, Cortana, </a:t>
-            </a:r>
-            <a:r>
-              <a:rPr lang="en-US" sz="1600" dirty="0" err="1">
-                <a:solidFill>
-                  <a:schemeClr val="accent6"/>
-                </a:solidFill>
-              </a:rPr>
-              <a:t>etc</a:t>
-            </a:r>
-            <a:r>
-              <a:rPr lang="en-US" sz="1600" dirty="0">
-                <a:solidFill>
-                  <a:schemeClr val="accent6"/>
-                </a:solidFill>
-              </a:rPr>
-              <a:t> will be given in enhanced version of the prototype.</a:t>
+              <a:t>Support for other voice assistant platforms such as Alexa, Siri, Cortana, etc. will be given in enhanced version of the prototype.</a:t>
             </a:r>
             <a:endParaRPr sz="1600" dirty="0">
               <a:solidFill>
@@ -9702,8 +9678,8 @@
         </p:nvSpPr>
         <p:spPr>
           <a:xfrm>
-            <a:off x="1168950" y="202138"/>
-            <a:ext cx="8520600" cy="572700"/>
+            <a:off x="385763" y="202137"/>
+            <a:ext cx="8243887" cy="1223249"/>
           </a:xfrm>
           <a:prstGeom prst="rect">
             <a:avLst/>
@@ -9717,10 +9693,10 @@
           <a:p>
             <a:pPr lvl="0"/>
             <a:r>
-              <a:rPr lang="en-IN" sz="2000" dirty="0"/>
-              <a:t>Source code (zipped/ private GitHub repository):</a:t>
-            </a:r>
-            <a:endParaRPr sz="2000" dirty="0"/>
+              <a:rPr lang="en-IN" sz="3500" dirty="0"/>
+              <a:t>Source code (zipped/ private GitHub Repository):</a:t>
+            </a:r>
+            <a:endParaRPr sz="3500" dirty="0"/>
           </a:p>
         </p:txBody>
       </p:sp>
@@ -9736,7 +9712,7 @@
         </p:nvSpPr>
         <p:spPr>
           <a:xfrm>
-            <a:off x="311700" y="1425387"/>
+            <a:off x="254549" y="1797876"/>
             <a:ext cx="6953494" cy="3143487"/>
           </a:xfrm>
           <a:prstGeom prst="rect">
@@ -9760,16 +9736,12 @@
               <a:buChar char="Ø"/>
             </a:pPr>
             <a:r>
-              <a:rPr lang="en-US" dirty="0"/>
-              <a:t>Source Code has been uploaded in the zipped format on </a:t>
-            </a:r>
-            <a:r>
-              <a:rPr lang="en-US" dirty="0" err="1"/>
-              <a:t>Techgig</a:t>
-            </a:r>
-            <a:r>
-              <a:rPr lang="en-US" dirty="0"/>
-              <a:t> website. A public google drive link for the source code is listed below:</a:t>
+              <a:rPr lang="en-US" sz="1600" dirty="0">
+                <a:solidFill>
+                  <a:schemeClr val="accent6"/>
+                </a:solidFill>
+              </a:rPr>
+              <a:t>Source Code along with presentation has been uploaded in the zipped format on TechGig website. </a:t>
             </a:r>
           </a:p>
           <a:p>
@@ -9784,13 +9756,84 @@
               <a:buChar char="Ø"/>
             </a:pPr>
             <a:r>
-              <a:rPr lang="en-US" dirty="0"/>
+              <a:rPr lang="en-US" sz="1600" dirty="0">
+                <a:solidFill>
+                  <a:schemeClr val="accent6"/>
+                </a:solidFill>
+              </a:rPr>
+              <a:t>A google drive link for the source code is listed below:    </a:t>
+            </a:r>
+            <a:r>
+              <a:rPr lang="en-US" sz="1600" dirty="0">
+                <a:solidFill>
+                  <a:schemeClr val="accent6"/>
+                </a:solidFill>
+                <a:hlinkClick r:id="rId3"/>
+              </a:rPr>
+              <a:t>http://bit.ly/2PwSiOt</a:t>
+            </a:r>
+            <a:endParaRPr lang="en-US" sz="1600" dirty="0">
+              <a:solidFill>
+                <a:schemeClr val="accent6"/>
+              </a:solidFill>
+            </a:endParaRPr>
+          </a:p>
+          <a:p>
+            <a:pPr marL="285750" lvl="0" indent="-285750">
+              <a:spcAft>
+                <a:spcPts val="1600"/>
+              </a:spcAft>
+              <a:buFont typeface="Wingdings" panose="05000000000000000000" pitchFamily="2" charset="2"/>
+              <a:buChar char="Ø"/>
+            </a:pPr>
+            <a:r>
+              <a:rPr lang="en-US" sz="1600" dirty="0">
+                <a:solidFill>
+                  <a:schemeClr val="accent1"/>
+                </a:solidFill>
+              </a:rPr>
               <a:t>Link to </a:t>
             </a:r>
             <a:r>
-              <a:rPr lang="en-US" b="1" dirty="0"/>
+              <a:rPr lang="en-US" sz="1600" b="1" dirty="0">
+                <a:solidFill>
+                  <a:schemeClr val="accent1"/>
+                </a:solidFill>
+              </a:rPr>
               <a:t>private GitHub repository: </a:t>
             </a:r>
+            <a:r>
+              <a:rPr lang="en-US" sz="1600" dirty="0">
+                <a:solidFill>
+                  <a:schemeClr val="accent6"/>
+                </a:solidFill>
+                <a:hlinkClick r:id="rId4">
+                  <a:extLst>
+                    <a:ext uri="{A12FA001-AC4F-418D-AE19-62706E023703}">
+                      <ahyp:hlinkClr xmlns:ahyp="http://schemas.microsoft.com/office/drawing/2018/hyperlinkcolor" val="tx"/>
+                    </a:ext>
+                  </a:extLst>
+                </a:hlinkClick>
+              </a:rPr>
+              <a:t>https://github.com/rishindramani/Code-Paradox</a:t>
+            </a:r>
+            <a:endParaRPr lang="en-US" sz="1600" dirty="0">
+              <a:solidFill>
+                <a:schemeClr val="accent6"/>
+              </a:solidFill>
+            </a:endParaRPr>
+          </a:p>
+          <a:p>
+            <a:pPr marL="0" lvl="0" indent="0" algn="l" rtl="0">
+              <a:spcBef>
+                <a:spcPts val="0"/>
+              </a:spcBef>
+              <a:spcAft>
+                <a:spcPts val="1600"/>
+              </a:spcAft>
+              <a:buNone/>
+            </a:pPr>
+            <a:endParaRPr lang="en-US" sz="1600" dirty="0"/>
           </a:p>
           <a:p>
             <a:pPr marL="285750" lvl="0" indent="-285750" algn="l" rtl="0">
@@ -9803,32 +9846,19 @@
               <a:buFont typeface="Wingdings" panose="05000000000000000000" pitchFamily="2" charset="2"/>
               <a:buChar char="Ø"/>
             </a:pPr>
-            <a:endParaRPr lang="en-US" dirty="0"/>
-          </a:p>
-          <a:p>
-            <a:pPr marL="285750" lvl="0" indent="-285750" algn="l" rtl="0">
+            <a:endParaRPr lang="en-US" sz="1600" dirty="0"/>
+          </a:p>
+          <a:p>
+            <a:pPr marL="0" lvl="0" indent="0" algn="l" rtl="0">
               <a:spcBef>
                 <a:spcPts val="0"/>
               </a:spcBef>
               <a:spcAft>
                 <a:spcPts val="1600"/>
               </a:spcAft>
-              <a:buFont typeface="Wingdings" panose="05000000000000000000" pitchFamily="2" charset="2"/>
-              <a:buChar char="Ø"/>
+              <a:buNone/>
             </a:pPr>
-            <a:endParaRPr lang="en-US" dirty="0"/>
-          </a:p>
-          <a:p>
-            <a:pPr marL="0" lvl="0" indent="0" algn="l" rtl="0">
-              <a:spcBef>
-                <a:spcPts val="0"/>
-              </a:spcBef>
-              <a:spcAft>
-                <a:spcPts val="1600"/>
-              </a:spcAft>
-              <a:buNone/>
-            </a:pPr>
-            <a:endParaRPr dirty="0"/>
+            <a:endParaRPr sz="1600" dirty="0"/>
           </a:p>
         </p:txBody>
       </p:sp>
@@ -9841,7 +9871,7 @@
           <p:nvPr/>
         </p:nvPicPr>
         <p:blipFill>
-          <a:blip r:embed="rId3">
+          <a:blip r:embed="rId5">
             <a:extLst>
               <a:ext uri="{28A0092B-C50C-407E-A947-70E740481C1C}">
                 <a14:useLocalDpi xmlns:a14="http://schemas.microsoft.com/office/drawing/2010/main" val="0"/>
@@ -9919,10 +9949,10 @@
           <a:p>
             <a:pPr lvl="0"/>
             <a:r>
-              <a:rPr lang="en-IN" sz="3500" dirty="0"/>
+              <a:rPr lang="en-IN" sz="4000" dirty="0"/>
               <a:t>Challenges Faced:</a:t>
             </a:r>
-            <a:endParaRPr sz="3500" dirty="0"/>
+            <a:endParaRPr sz="4000" dirty="0"/>
           </a:p>
         </p:txBody>
       </p:sp>
@@ -9938,7 +9968,7 @@
         </p:nvSpPr>
         <p:spPr>
           <a:xfrm>
-            <a:off x="368850" y="940636"/>
+            <a:off x="83100" y="1019217"/>
             <a:ext cx="7553569" cy="3432221"/>
           </a:xfrm>
           <a:prstGeom prst="rect">
@@ -9975,15 +10005,15 @@
                   <a:schemeClr val="accent6"/>
                 </a:solidFill>
               </a:rPr>
-              <a:t>The biggest challenge we faced was unavailability of appropriate    </a:t>
-            </a:r>
-            <a:r>
-              <a:rPr lang="en-US" sz="1600" dirty="0" err="1">
+              <a:t>The biggest challenge we faced was unavailability of appropriate APIs that could be harnessed to make a more scalable solution. Therefore, we had no other choice but to scrape the data from a website and </a:t>
+            </a:r>
+            <a:r>
+              <a:rPr lang="en-US" sz="1600">
                 <a:solidFill>
                   <a:schemeClr val="accent6"/>
                 </a:solidFill>
               </a:rPr>
-              <a:t>apis</a:t>
+              <a:t>work on a </a:t>
             </a:r>
             <a:r>
               <a:rPr lang="en-US" sz="1600" dirty="0">
@@ -9991,7 +10021,7 @@
                   <a:schemeClr val="accent6"/>
                 </a:solidFill>
               </a:rPr>
-              <a:t> that could be harnessed to make a more scalable solution. Therefore, we had no other choice but to scrape the data from a website and work on limited dummy data rather than quality data.</a:t>
+              <a:t>limited dummy data rather than quality data.</a:t>
             </a:r>
           </a:p>
           <a:p>

--- a/Lowe’s_Campus_Hackathon_Presentation.pptx
+++ b/Lowe’s_Campus_Hackathon_Presentation.pptx
@@ -2199,7 +2199,7 @@
           <a:p>
             <a:fld id="{7977105C-EBAD-49A5-B276-B22DC497508D}" type="datetimeFigureOut">
               <a:rPr lang="en-IN" smtClean="0"/>
-              <a:t>28-02-2020</a:t>
+              <a:t>16-03-2020</a:t>
             </a:fld>
             <a:endParaRPr lang="en-IN"/>
           </a:p>
@@ -2460,7 +2460,7 @@
           <a:p>
             <a:fld id="{7977105C-EBAD-49A5-B276-B22DC497508D}" type="datetimeFigureOut">
               <a:rPr lang="en-IN" smtClean="0"/>
-              <a:t>28-02-2020</a:t>
+              <a:t>16-03-2020</a:t>
             </a:fld>
             <a:endParaRPr lang="en-IN"/>
           </a:p>
@@ -2784,7 +2784,7 @@
           <a:p>
             <a:fld id="{7977105C-EBAD-49A5-B276-B22DC497508D}" type="datetimeFigureOut">
               <a:rPr lang="en-IN" smtClean="0"/>
-              <a:t>28-02-2020</a:t>
+              <a:t>16-03-2020</a:t>
             </a:fld>
             <a:endParaRPr lang="en-IN"/>
           </a:p>
@@ -3127,7 +3127,7 @@
           <a:p>
             <a:fld id="{7977105C-EBAD-49A5-B276-B22DC497508D}" type="datetimeFigureOut">
               <a:rPr lang="en-IN" smtClean="0"/>
-              <a:t>28-02-2020</a:t>
+              <a:t>16-03-2020</a:t>
             </a:fld>
             <a:endParaRPr lang="en-IN"/>
           </a:p>
@@ -3451,7 +3451,7 @@
           <a:p>
             <a:fld id="{7977105C-EBAD-49A5-B276-B22DC497508D}" type="datetimeFigureOut">
               <a:rPr lang="en-IN" smtClean="0"/>
-              <a:t>28-02-2020</a:t>
+              <a:t>16-03-2020</a:t>
             </a:fld>
             <a:endParaRPr lang="en-IN"/>
           </a:p>
@@ -3854,7 +3854,7 @@
           <a:p>
             <a:fld id="{7977105C-EBAD-49A5-B276-B22DC497508D}" type="datetimeFigureOut">
               <a:rPr lang="en-IN" smtClean="0"/>
-              <a:t>28-02-2020</a:t>
+              <a:t>16-03-2020</a:t>
             </a:fld>
             <a:endParaRPr lang="en-IN"/>
           </a:p>
@@ -4034,7 +4034,7 @@
           <a:p>
             <a:fld id="{7977105C-EBAD-49A5-B276-B22DC497508D}" type="datetimeFigureOut">
               <a:rPr lang="en-IN" smtClean="0"/>
-              <a:t>28-02-2020</a:t>
+              <a:t>16-03-2020</a:t>
             </a:fld>
             <a:endParaRPr lang="en-IN"/>
           </a:p>
@@ -4224,7 +4224,7 @@
           <a:p>
             <a:fld id="{7977105C-EBAD-49A5-B276-B22DC497508D}" type="datetimeFigureOut">
               <a:rPr lang="en-IN" smtClean="0"/>
-              <a:t>28-02-2020</a:t>
+              <a:t>16-03-2020</a:t>
             </a:fld>
             <a:endParaRPr lang="en-IN"/>
           </a:p>
@@ -5009,7 +5009,7 @@
           <a:p>
             <a:fld id="{7977105C-EBAD-49A5-B276-B22DC497508D}" type="datetimeFigureOut">
               <a:rPr lang="en-IN" smtClean="0"/>
-              <a:t>28-02-2020</a:t>
+              <a:t>16-03-2020</a:t>
             </a:fld>
             <a:endParaRPr lang="en-IN"/>
           </a:p>
@@ -5266,7 +5266,7 @@
           <a:p>
             <a:fld id="{7977105C-EBAD-49A5-B276-B22DC497508D}" type="datetimeFigureOut">
               <a:rPr lang="en-IN" smtClean="0"/>
-              <a:t>28-02-2020</a:t>
+              <a:t>16-03-2020</a:t>
             </a:fld>
             <a:endParaRPr lang="en-IN"/>
           </a:p>
@@ -5508,7 +5508,7 @@
           <a:p>
             <a:fld id="{7977105C-EBAD-49A5-B276-B22DC497508D}" type="datetimeFigureOut">
               <a:rPr lang="en-IN" smtClean="0"/>
-              <a:t>28-02-2020</a:t>
+              <a:t>16-03-2020</a:t>
             </a:fld>
             <a:endParaRPr lang="en-IN"/>
           </a:p>
@@ -5892,7 +5892,7 @@
           <a:p>
             <a:fld id="{7977105C-EBAD-49A5-B276-B22DC497508D}" type="datetimeFigureOut">
               <a:rPr lang="en-IN" smtClean="0"/>
-              <a:t>28-02-2020</a:t>
+              <a:t>16-03-2020</a:t>
             </a:fld>
             <a:endParaRPr lang="en-IN"/>
           </a:p>
@@ -6025,7 +6025,7 @@
           <a:p>
             <a:fld id="{7977105C-EBAD-49A5-B276-B22DC497508D}" type="datetimeFigureOut">
               <a:rPr lang="en-IN" smtClean="0"/>
-              <a:t>28-02-2020</a:t>
+              <a:t>16-03-2020</a:t>
             </a:fld>
             <a:endParaRPr lang="en-IN"/>
           </a:p>
@@ -6130,7 +6130,7 @@
           <a:p>
             <a:fld id="{7977105C-EBAD-49A5-B276-B22DC497508D}" type="datetimeFigureOut">
               <a:rPr lang="en-IN" smtClean="0"/>
-              <a:t>28-02-2020</a:t>
+              <a:t>16-03-2020</a:t>
             </a:fld>
             <a:endParaRPr lang="en-IN"/>
           </a:p>
@@ -6394,7 +6394,7 @@
           <a:p>
             <a:fld id="{7977105C-EBAD-49A5-B276-B22DC497508D}" type="datetimeFigureOut">
               <a:rPr lang="en-IN" smtClean="0"/>
-              <a:t>28-02-2020</a:t>
+              <a:t>16-03-2020</a:t>
             </a:fld>
             <a:endParaRPr lang="en-IN"/>
           </a:p>
@@ -6718,7 +6718,7 @@
           <a:p>
             <a:fld id="{7977105C-EBAD-49A5-B276-B22DC497508D}" type="datetimeFigureOut">
               <a:rPr lang="en-IN" smtClean="0"/>
-              <a:t>28-02-2020</a:t>
+              <a:t>16-03-2020</a:t>
             </a:fld>
             <a:endParaRPr lang="en-IN"/>
           </a:p>
@@ -7421,7 +7421,7 @@
           <a:p>
             <a:fld id="{7977105C-EBAD-49A5-B276-B22DC497508D}" type="datetimeFigureOut">
               <a:rPr lang="en-IN" smtClean="0"/>
-              <a:t>28-02-2020</a:t>
+              <a:t>16-03-2020</a:t>
             </a:fld>
             <a:endParaRPr lang="en-IN"/>
           </a:p>
@@ -8131,7 +8131,7 @@
                   <a:schemeClr val="accent6"/>
                 </a:solidFill>
               </a:rPr>
-              <a:t> Add custom product filter to display products according to user’s requirements</a:t>
+              <a:t> Addition of images to product types and provide user with custom product filter option in order to display products according to user’s requirements</a:t>
             </a:r>
           </a:p>
           <a:p>
@@ -9745,40 +9745,6 @@
             </a:r>
           </a:p>
           <a:p>
-            <a:pPr marL="285750" lvl="0" indent="-285750" algn="l" rtl="0">
-              <a:spcBef>
-                <a:spcPts val="0"/>
-              </a:spcBef>
-              <a:spcAft>
-                <a:spcPts val="1600"/>
-              </a:spcAft>
-              <a:buFont typeface="Wingdings" panose="05000000000000000000" pitchFamily="2" charset="2"/>
-              <a:buChar char="Ø"/>
-            </a:pPr>
-            <a:r>
-              <a:rPr lang="en-US" sz="1600" dirty="0">
-                <a:solidFill>
-                  <a:schemeClr val="accent6"/>
-                </a:solidFill>
-              </a:rPr>
-              <a:t>A google drive link for the source code is listed below:    </a:t>
-            </a:r>
-            <a:r>
-              <a:rPr lang="en-US" sz="1600" dirty="0">
-                <a:solidFill>
-                  <a:schemeClr val="accent6"/>
-                </a:solidFill>
-                <a:hlinkClick r:id="rId3"/>
-              </a:rPr>
-              <a:t>http://bit.ly/2PwSiOt</a:t>
-            </a:r>
-            <a:endParaRPr lang="en-US" sz="1600" dirty="0">
-              <a:solidFill>
-                <a:schemeClr val="accent6"/>
-              </a:solidFill>
-            </a:endParaRPr>
-          </a:p>
-          <a:p>
             <a:pPr marL="285750" lvl="0" indent="-285750">
               <a:spcAft>
                 <a:spcPts val="1600"/>
@@ -9800,14 +9766,30 @@
                   <a:schemeClr val="accent1"/>
                 </a:solidFill>
               </a:rPr>
-              <a:t>private GitHub repository: </a:t>
+              <a:t>private GitHub repository (public after 16</a:t>
+            </a:r>
+            <a:r>
+              <a:rPr lang="en-US" sz="1600" b="1" baseline="30000" dirty="0">
+                <a:solidFill>
+                  <a:schemeClr val="accent1"/>
+                </a:solidFill>
+              </a:rPr>
+              <a:t>th</a:t>
+            </a:r>
+            <a:r>
+              <a:rPr lang="en-US" sz="1600" b="1" dirty="0">
+                <a:solidFill>
+                  <a:schemeClr val="accent1"/>
+                </a:solidFill>
+              </a:rPr>
+              <a:t> March 2020) : </a:t>
             </a:r>
             <a:r>
               <a:rPr lang="en-US" sz="1600" dirty="0">
                 <a:solidFill>
                   <a:schemeClr val="accent6"/>
                 </a:solidFill>
-                <a:hlinkClick r:id="rId4">
+                <a:hlinkClick r:id="rId3">
                   <a:extLst>
                     <a:ext uri="{A12FA001-AC4F-418D-AE19-62706E023703}">
                       <ahyp:hlinkClr xmlns:ahyp="http://schemas.microsoft.com/office/drawing/2018/hyperlinkcolor" val="tx"/>
@@ -9816,6 +9798,37 @@
                 </a:hlinkClick>
               </a:rPr>
               <a:t>https://github.com/rishindramani/Code-Paradox</a:t>
+            </a:r>
+            <a:endParaRPr lang="en-US" sz="1600" dirty="0">
+              <a:solidFill>
+                <a:schemeClr val="accent6"/>
+              </a:solidFill>
+            </a:endParaRPr>
+          </a:p>
+          <a:p>
+            <a:pPr marL="285750" indent="-285750">
+              <a:spcAft>
+                <a:spcPts val="1600"/>
+              </a:spcAft>
+              <a:buFont typeface="Wingdings" panose="05000000000000000000" pitchFamily="2" charset="2"/>
+              <a:buChar char="Ø"/>
+            </a:pPr>
+            <a:r>
+              <a:rPr lang="en-US" sz="1600">
+                <a:solidFill>
+                  <a:schemeClr val="accent6"/>
+                </a:solidFill>
+              </a:rPr>
+              <a:t>A google drive link for the source code is listed below:    </a:t>
+            </a:r>
+            <a:r>
+              <a:rPr lang="en-US" sz="1600">
+                <a:solidFill>
+                  <a:schemeClr val="accent6"/>
+                </a:solidFill>
+                <a:hlinkClick r:id="rId4"/>
+              </a:rPr>
+              <a:t>http://bit.ly/2PwSiOt</a:t>
             </a:r>
             <a:endParaRPr lang="en-US" sz="1600" dirty="0">
               <a:solidFill>
